--- a/Paper/SCI2019/Fig.pptx
+++ b/Paper/SCI2019/Fig.pptx
@@ -109,7 +109,7 @@
   <p:extLst>
     <p:ext uri="{EFAFB233-063F-42B5-8137-9DF3F51BA10A}">
       <p15:sldGuideLst xmlns:p15="http://schemas.microsoft.com/office/powerpoint/2012/main">
-        <p15:guide id="1" orient="horz" pos="2137" userDrawn="1">
+        <p15:guide id="1" orient="horz" pos="2115" userDrawn="1">
           <p15:clr>
             <a:srgbClr val="A4A3A4"/>
           </p15:clr>
@@ -5086,8 +5086,8 @@
         </p:nvSpPr>
         <p:spPr>
           <a:xfrm>
-            <a:off x="5368390" y="2109000"/>
-            <a:ext cx="1981341" cy="311011"/>
+            <a:off x="5004164" y="1851792"/>
+            <a:ext cx="2623226" cy="607599"/>
           </a:xfrm>
           <a:prstGeom prst="rect">
             <a:avLst/>
@@ -5114,12 +5114,8 @@
           <a:p>
             <a:pPr algn="ctr"/>
             <a:r>
-              <a:rPr lang="en-US" altLang="ja-JP" dirty="0" err="1"/>
-              <a:t>Cs.Mfg</a:t>
-            </a:r>
-            <a:r>
               <a:rPr lang="en-US" altLang="ja-JP" dirty="0"/>
-              <a:t> System</a:t>
+              <a:t>Crowdsourced Manufacturing System</a:t>
             </a:r>
             <a:endParaRPr kumimoji="1" lang="ja-JP" altLang="en-US"/>
           </a:p>
@@ -5475,10 +5471,10 @@
       </p:sp>
       <p:pic>
         <p:nvPicPr>
-          <p:cNvPr id="3" name="図 2">
+          <p:cNvPr id="8" name="図 7">
             <a:extLst>
               <a:ext uri="{FF2B5EF4-FFF2-40B4-BE49-F238E27FC236}">
-                <a16:creationId xmlns:a16="http://schemas.microsoft.com/office/drawing/2014/main" id="{07607F86-3EE8-994D-A884-994E8AC5B710}"/>
+                <a16:creationId xmlns:a16="http://schemas.microsoft.com/office/drawing/2014/main" id="{17B5D624-7C68-5B4E-9D99-FB7FA0CA720B}"/>
               </a:ext>
             </a:extLst>
           </p:cNvPr>
@@ -5488,7 +5484,7 @@
           <p:nvPr/>
         </p:nvPicPr>
         <p:blipFill>
-          <a:blip r:embed="rId4" cstate="print">
+          <a:blip r:embed="rId2" cstate="print">
             <a:extLst>
               <a:ext uri="{28A0092B-C50C-407E-A947-70E740481C1C}">
                 <a14:useLocalDpi xmlns:a14="http://schemas.microsoft.com/office/drawing/2010/main" val="0"/>
@@ -5501,7 +5497,7 @@
         </p:blipFill>
         <p:spPr>
           <a:xfrm>
-            <a:off x="2325737" y="1364005"/>
+            <a:off x="3429777" y="1726240"/>
             <a:ext cx="765601" cy="765601"/>
           </a:xfrm>
           <a:prstGeom prst="rect">
@@ -5509,12 +5505,136 @@
           </a:prstGeom>
         </p:spPr>
       </p:pic>
-      <p:sp>
-        <p:nvSpPr>
-          <p:cNvPr id="4" name="テキスト ボックス 3">
+      <p:pic>
+        <p:nvPicPr>
+          <p:cNvPr id="9" name="図 8">
             <a:extLst>
               <a:ext uri="{FF2B5EF4-FFF2-40B4-BE49-F238E27FC236}">
-                <a16:creationId xmlns:a16="http://schemas.microsoft.com/office/drawing/2014/main" id="{A725A05A-FEBA-6E47-A716-4E57118298A0}"/>
+                <a16:creationId xmlns:a16="http://schemas.microsoft.com/office/drawing/2014/main" id="{4FD12225-4D12-5B46-8CB2-F192465B9253}"/>
+              </a:ext>
+            </a:extLst>
+          </p:cNvPr>
+          <p:cNvPicPr>
+            <a:picLocks noChangeAspect="1"/>
+          </p:cNvPicPr>
+          <p:nvPr/>
+        </p:nvPicPr>
+        <p:blipFill>
+          <a:blip r:embed="rId2" cstate="print">
+            <a:extLst>
+              <a:ext uri="{28A0092B-C50C-407E-A947-70E740481C1C}">
+                <a14:useLocalDpi xmlns:a14="http://schemas.microsoft.com/office/drawing/2010/main" val="0"/>
+              </a:ext>
+            </a:extLst>
+          </a:blip>
+          <a:stretch>
+            <a:fillRect/>
+          </a:stretch>
+        </p:blipFill>
+        <p:spPr>
+          <a:xfrm>
+            <a:off x="6206015" y="4006455"/>
+            <a:ext cx="765601" cy="765601"/>
+          </a:xfrm>
+          <a:prstGeom prst="rect">
+            <a:avLst/>
+          </a:prstGeom>
+        </p:spPr>
+      </p:pic>
+      <p:pic>
+        <p:nvPicPr>
+          <p:cNvPr id="10" name="図 9">
+            <a:extLst>
+              <a:ext uri="{FF2B5EF4-FFF2-40B4-BE49-F238E27FC236}">
+                <a16:creationId xmlns:a16="http://schemas.microsoft.com/office/drawing/2014/main" id="{46675B87-332F-8B44-BE57-439301D0B345}"/>
+              </a:ext>
+            </a:extLst>
+          </p:cNvPr>
+          <p:cNvPicPr>
+            <a:picLocks noChangeAspect="1"/>
+          </p:cNvPicPr>
+          <p:nvPr/>
+        </p:nvPicPr>
+        <p:blipFill>
+          <a:blip r:embed="rId2" cstate="print">
+            <a:extLst>
+              <a:ext uri="{28A0092B-C50C-407E-A947-70E740481C1C}">
+                <a14:useLocalDpi xmlns:a14="http://schemas.microsoft.com/office/drawing/2010/main" val="0"/>
+              </a:ext>
+            </a:extLst>
+          </a:blip>
+          <a:stretch>
+            <a:fillRect/>
+          </a:stretch>
+        </p:blipFill>
+        <p:spPr>
+          <a:xfrm>
+            <a:off x="3557934" y="4026021"/>
+            <a:ext cx="765601" cy="765601"/>
+          </a:xfrm>
+          <a:prstGeom prst="rect">
+            <a:avLst/>
+          </a:prstGeom>
+        </p:spPr>
+      </p:pic>
+      <p:sp>
+        <p:nvSpPr>
+          <p:cNvPr id="11" name="正方形/長方形 10">
+            <a:extLst>
+              <a:ext uri="{FF2B5EF4-FFF2-40B4-BE49-F238E27FC236}">
+                <a16:creationId xmlns:a16="http://schemas.microsoft.com/office/drawing/2014/main" id="{34E721A7-7E6E-F146-85BF-E6AF2F985715}"/>
+              </a:ext>
+            </a:extLst>
+          </p:cNvPr>
+          <p:cNvSpPr/>
+          <p:nvPr/>
+        </p:nvSpPr>
+        <p:spPr>
+          <a:xfrm>
+            <a:off x="3302314" y="2550151"/>
+            <a:ext cx="3805397" cy="1445936"/>
+          </a:xfrm>
+          <a:prstGeom prst="rect">
+            <a:avLst/>
+          </a:prstGeom>
+          <a:noFill/>
+          <a:ln w="44450">
+            <a:solidFill>
+              <a:schemeClr val="accent2">
+                <a:alpha val="50000"/>
+              </a:schemeClr>
+            </a:solidFill>
+          </a:ln>
+        </p:spPr>
+        <p:style>
+          <a:lnRef idx="2">
+            <a:schemeClr val="accent2"/>
+          </a:lnRef>
+          <a:fillRef idx="1">
+            <a:schemeClr val="lt1"/>
+          </a:fillRef>
+          <a:effectRef idx="0">
+            <a:schemeClr val="accent2"/>
+          </a:effectRef>
+          <a:fontRef idx="minor">
+            <a:schemeClr val="dk1"/>
+          </a:fontRef>
+        </p:style>
+        <p:txBody>
+          <a:bodyPr rtlCol="0" anchor="ctr"/>
+          <a:lstStyle/>
+          <a:p>
+            <a:pPr algn="ctr"/>
+            <a:endParaRPr kumimoji="1" lang="ja-JP" altLang="en-US"/>
+          </a:p>
+        </p:txBody>
+      </p:sp>
+      <p:sp>
+        <p:nvSpPr>
+          <p:cNvPr id="12" name="テキスト ボックス 11">
+            <a:extLst>
+              <a:ext uri="{FF2B5EF4-FFF2-40B4-BE49-F238E27FC236}">
+                <a16:creationId xmlns:a16="http://schemas.microsoft.com/office/drawing/2014/main" id="{F80C4213-27EA-6E4D-9D7D-96FA72A7388A}"/>
               </a:ext>
             </a:extLst>
           </p:cNvPr>
@@ -5523,7 +5643,7 @@
         </p:nvSpPr>
         <p:spPr>
           <a:xfrm>
-            <a:off x="937636" y="1710061"/>
+            <a:off x="2237780" y="2055534"/>
             <a:ext cx="1712722" cy="369332"/>
           </a:xfrm>
           <a:prstGeom prst="rect">
@@ -5539,7 +5659,7 @@
           <a:p>
             <a:r>
               <a:rPr lang="en" altLang="ja-JP" dirty="0"/>
-              <a:t>Provider1</a:t>
+              <a:t>Provider</a:t>
             </a:r>
             <a:endParaRPr kumimoji="1" lang="ja-JP" altLang="en-US" dirty="0"/>
           </a:p>
@@ -5547,10 +5667,46 @@
       </p:sp>
       <p:sp>
         <p:nvSpPr>
-          <p:cNvPr id="5" name="下矢印 4">
+          <p:cNvPr id="13" name="テキスト ボックス 12">
             <a:extLst>
               <a:ext uri="{FF2B5EF4-FFF2-40B4-BE49-F238E27FC236}">
-                <a16:creationId xmlns:a16="http://schemas.microsoft.com/office/drawing/2014/main" id="{F4844405-35AE-454D-834D-4771E86E72B6}"/>
+                <a16:creationId xmlns:a16="http://schemas.microsoft.com/office/drawing/2014/main" id="{F6E95FD9-FBBB-B640-947F-438A27EC9119}"/>
+              </a:ext>
+            </a:extLst>
+          </p:cNvPr>
+          <p:cNvSpPr txBox="1"/>
+          <p:nvPr/>
+        </p:nvSpPr>
+        <p:spPr>
+          <a:xfrm>
+            <a:off x="2215927" y="4091230"/>
+            <a:ext cx="1308895" cy="369332"/>
+          </a:xfrm>
+          <a:prstGeom prst="rect">
+            <a:avLst/>
+          </a:prstGeom>
+          <a:noFill/>
+        </p:spPr>
+        <p:txBody>
+          <a:bodyPr wrap="square" rtlCol="0">
+            <a:spAutoFit/>
+          </a:bodyPr>
+          <a:lstStyle/>
+          <a:p>
+            <a:r>
+              <a:rPr lang="en-US" altLang="ja-JP" dirty="0"/>
+              <a:t>Requester</a:t>
+            </a:r>
+            <a:endParaRPr kumimoji="1" lang="ja-JP" altLang="en-US" dirty="0"/>
+          </a:p>
+        </p:txBody>
+      </p:sp>
+      <p:sp>
+        <p:nvSpPr>
+          <p:cNvPr id="15" name="下矢印 14">
+            <a:extLst>
+              <a:ext uri="{FF2B5EF4-FFF2-40B4-BE49-F238E27FC236}">
+                <a16:creationId xmlns:a16="http://schemas.microsoft.com/office/drawing/2014/main" id="{BC8F8E18-30A9-6048-A622-B4AA68401B20}"/>
               </a:ext>
             </a:extLst>
           </p:cNvPr>
@@ -5558,9 +5714,9 @@
           <p:nvPr/>
         </p:nvSpPr>
         <p:spPr>
-          <a:xfrm>
-            <a:off x="2550773" y="2018775"/>
-            <a:ext cx="315527" cy="324410"/>
+          <a:xfrm rot="12600000">
+            <a:off x="3937592" y="3649337"/>
+            <a:ext cx="315527" cy="648000"/>
           </a:xfrm>
           <a:prstGeom prst="downArrow">
             <a:avLst/>
@@ -5594,74 +5750,782 @@
           </a:p>
         </p:txBody>
       </p:sp>
+      <p:sp>
+        <p:nvSpPr>
+          <p:cNvPr id="16" name="下矢印 15">
+            <a:extLst>
+              <a:ext uri="{FF2B5EF4-FFF2-40B4-BE49-F238E27FC236}">
+                <a16:creationId xmlns:a16="http://schemas.microsoft.com/office/drawing/2014/main" id="{391455E3-1A40-F94F-81FB-5686F700C72F}"/>
+              </a:ext>
+            </a:extLst>
+          </p:cNvPr>
+          <p:cNvSpPr/>
+          <p:nvPr/>
+        </p:nvSpPr>
+        <p:spPr>
+          <a:xfrm rot="9000000">
+            <a:off x="6295566" y="3575526"/>
+            <a:ext cx="315527" cy="648000"/>
+          </a:xfrm>
+          <a:prstGeom prst="downArrow">
+            <a:avLst/>
+          </a:prstGeom>
+          <a:ln>
+            <a:noFill/>
+          </a:ln>
+        </p:spPr>
+        <p:style>
+          <a:lnRef idx="2">
+            <a:schemeClr val="accent1">
+              <a:shade val="50000"/>
+            </a:schemeClr>
+          </a:lnRef>
+          <a:fillRef idx="1">
+            <a:schemeClr val="accent1"/>
+          </a:fillRef>
+          <a:effectRef idx="0">
+            <a:schemeClr val="accent1"/>
+          </a:effectRef>
+          <a:fontRef idx="minor">
+            <a:schemeClr val="lt1"/>
+          </a:fontRef>
+        </p:style>
+        <p:txBody>
+          <a:bodyPr rtlCol="0" anchor="ctr"/>
+          <a:lstStyle/>
+          <a:p>
+            <a:pPr algn="ctr"/>
+            <a:endParaRPr kumimoji="1" lang="ja-JP" altLang="en-US"/>
+          </a:p>
+        </p:txBody>
+      </p:sp>
       <p:pic>
         <p:nvPicPr>
-          <p:cNvPr id="6" name="図 5">
+          <p:cNvPr id="17" name="図 16">
             <a:extLst>
               <a:ext uri="{FF2B5EF4-FFF2-40B4-BE49-F238E27FC236}">
-                <a16:creationId xmlns:a16="http://schemas.microsoft.com/office/drawing/2014/main" id="{C4F10C27-0968-5946-B6E8-E6F13E190524}"/>
+                <a16:creationId xmlns:a16="http://schemas.microsoft.com/office/drawing/2014/main" id="{3100D31F-D8F3-8C4A-87F5-DA6ADEAD9366}"/>
               </a:ext>
             </a:extLst>
           </p:cNvPr>
           <p:cNvPicPr>
             <a:picLocks noChangeAspect="1"/>
           </p:cNvPicPr>
-          <p:nvPr>
-            <p:custDataLst>
-              <p:tags r:id="rId1"/>
-            </p:custDataLst>
-          </p:nvPr>
+          <p:nvPr/>
         </p:nvPicPr>
         <p:blipFill>
-          <a:blip r:embed="rId5"/>
+          <a:blip r:embed="rId2" cstate="print">
+            <a:extLst>
+              <a:ext uri="{28A0092B-C50C-407E-A947-70E740481C1C}">
+                <a14:useLocalDpi xmlns:a14="http://schemas.microsoft.com/office/drawing/2010/main" val="0"/>
+              </a:ext>
+            </a:extLst>
+          </a:blip>
           <a:stretch>
             <a:fillRect/>
           </a:stretch>
         </p:blipFill>
         <p:spPr>
           <a:xfrm>
-            <a:off x="843160" y="2416416"/>
-            <a:ext cx="3730752" cy="208077"/>
+            <a:off x="6150759" y="1652157"/>
+            <a:ext cx="765601" cy="765601"/>
           </a:xfrm>
           <a:prstGeom prst="rect">
             <a:avLst/>
           </a:prstGeom>
         </p:spPr>
       </p:pic>
+      <p:sp>
+        <p:nvSpPr>
+          <p:cNvPr id="29" name="下矢印 28">
+            <a:extLst>
+              <a:ext uri="{FF2B5EF4-FFF2-40B4-BE49-F238E27FC236}">
+                <a16:creationId xmlns:a16="http://schemas.microsoft.com/office/drawing/2014/main" id="{4EE52E2C-134F-AF42-8B16-6BD5458E14EE}"/>
+              </a:ext>
+            </a:extLst>
+          </p:cNvPr>
+          <p:cNvSpPr/>
+          <p:nvPr/>
+        </p:nvSpPr>
+        <p:spPr>
+          <a:xfrm rot="-1800000">
+            <a:off x="3803938" y="2405385"/>
+            <a:ext cx="315527" cy="648000"/>
+          </a:xfrm>
+          <a:prstGeom prst="downArrow">
+            <a:avLst/>
+          </a:prstGeom>
+          <a:ln>
+            <a:noFill/>
+          </a:ln>
+        </p:spPr>
+        <p:style>
+          <a:lnRef idx="2">
+            <a:schemeClr val="accent1">
+              <a:shade val="50000"/>
+            </a:schemeClr>
+          </a:lnRef>
+          <a:fillRef idx="1">
+            <a:schemeClr val="accent1"/>
+          </a:fillRef>
+          <a:effectRef idx="0">
+            <a:schemeClr val="accent1"/>
+          </a:effectRef>
+          <a:fontRef idx="minor">
+            <a:schemeClr val="lt1"/>
+          </a:fontRef>
+        </p:style>
+        <p:txBody>
+          <a:bodyPr rtlCol="0" anchor="ctr"/>
+          <a:lstStyle/>
+          <a:p>
+            <a:pPr algn="ctr"/>
+            <a:endParaRPr kumimoji="1" lang="ja-JP" altLang="en-US"/>
+          </a:p>
+        </p:txBody>
+      </p:sp>
+      <p:sp>
+        <p:nvSpPr>
+          <p:cNvPr id="30" name="下矢印 29">
+            <a:extLst>
+              <a:ext uri="{FF2B5EF4-FFF2-40B4-BE49-F238E27FC236}">
+                <a16:creationId xmlns:a16="http://schemas.microsoft.com/office/drawing/2014/main" id="{48B6F1DC-D0D6-0141-864D-64E0643D4EF1}"/>
+              </a:ext>
+            </a:extLst>
+          </p:cNvPr>
+          <p:cNvSpPr/>
+          <p:nvPr/>
+        </p:nvSpPr>
+        <p:spPr>
+          <a:xfrm rot="1800000">
+            <a:off x="6290038" y="2362017"/>
+            <a:ext cx="315527" cy="648000"/>
+          </a:xfrm>
+          <a:prstGeom prst="downArrow">
+            <a:avLst/>
+          </a:prstGeom>
+          <a:ln>
+            <a:noFill/>
+          </a:ln>
+        </p:spPr>
+        <p:style>
+          <a:lnRef idx="2">
+            <a:schemeClr val="accent1">
+              <a:shade val="50000"/>
+            </a:schemeClr>
+          </a:lnRef>
+          <a:fillRef idx="1">
+            <a:schemeClr val="accent1"/>
+          </a:fillRef>
+          <a:effectRef idx="0">
+            <a:schemeClr val="accent1"/>
+          </a:effectRef>
+          <a:fontRef idx="minor">
+            <a:schemeClr val="lt1"/>
+          </a:fontRef>
+        </p:style>
+        <p:txBody>
+          <a:bodyPr rtlCol="0" anchor="ctr"/>
+          <a:lstStyle/>
+          <a:p>
+            <a:pPr algn="ctr"/>
+            <a:endParaRPr kumimoji="1" lang="ja-JP" altLang="en-US"/>
+          </a:p>
+        </p:txBody>
+      </p:sp>
       <p:pic>
         <p:nvPicPr>
-          <p:cNvPr id="7" name="図 6">
+          <p:cNvPr id="31" name="図 30">
             <a:extLst>
               <a:ext uri="{FF2B5EF4-FFF2-40B4-BE49-F238E27FC236}">
-                <a16:creationId xmlns:a16="http://schemas.microsoft.com/office/drawing/2014/main" id="{E047FDFF-A0FD-D140-B048-560B4D575D37}"/>
+                <a16:creationId xmlns:a16="http://schemas.microsoft.com/office/drawing/2014/main" id="{A4BFCD1C-A23E-9A43-8722-39B5676E0B42}"/>
               </a:ext>
             </a:extLst>
           </p:cNvPr>
           <p:cNvPicPr>
             <a:picLocks noChangeAspect="1"/>
           </p:cNvPicPr>
-          <p:nvPr>
-            <p:custDataLst>
-              <p:tags r:id="rId2"/>
-            </p:custDataLst>
-          </p:nvPr>
+          <p:nvPr/>
         </p:nvPicPr>
         <p:blipFill>
-          <a:blip r:embed="rId6"/>
+          <a:blip r:embed="rId2" cstate="print">
+            <a:extLst>
+              <a:ext uri="{28A0092B-C50C-407E-A947-70E740481C1C}">
+                <a14:useLocalDpi xmlns:a14="http://schemas.microsoft.com/office/drawing/2010/main" val="0"/>
+              </a:ext>
+            </a:extLst>
+          </a:blip>
           <a:stretch>
             <a:fillRect/>
           </a:stretch>
         </p:blipFill>
         <p:spPr>
           <a:xfrm>
-            <a:off x="843161" y="2647427"/>
-            <a:ext cx="2687117" cy="201574"/>
+            <a:off x="4752855" y="1652157"/>
+            <a:ext cx="765601" cy="765601"/>
           </a:xfrm>
           <a:prstGeom prst="rect">
             <a:avLst/>
           </a:prstGeom>
         </p:spPr>
       </p:pic>
+      <p:sp>
+        <p:nvSpPr>
+          <p:cNvPr id="32" name="下矢印 31">
+            <a:extLst>
+              <a:ext uri="{FF2B5EF4-FFF2-40B4-BE49-F238E27FC236}">
+                <a16:creationId xmlns:a16="http://schemas.microsoft.com/office/drawing/2014/main" id="{D94BC7CB-6FA3-B84C-8A00-4CCFD4E88A54}"/>
+              </a:ext>
+            </a:extLst>
+          </p:cNvPr>
+          <p:cNvSpPr/>
+          <p:nvPr/>
+        </p:nvSpPr>
+        <p:spPr>
+          <a:xfrm>
+            <a:off x="4982794" y="2377874"/>
+            <a:ext cx="315527" cy="648000"/>
+          </a:xfrm>
+          <a:prstGeom prst="downArrow">
+            <a:avLst/>
+          </a:prstGeom>
+          <a:ln>
+            <a:noFill/>
+          </a:ln>
+        </p:spPr>
+        <p:style>
+          <a:lnRef idx="2">
+            <a:schemeClr val="accent1">
+              <a:shade val="50000"/>
+            </a:schemeClr>
+          </a:lnRef>
+          <a:fillRef idx="1">
+            <a:schemeClr val="accent1"/>
+          </a:fillRef>
+          <a:effectRef idx="0">
+            <a:schemeClr val="accent1"/>
+          </a:effectRef>
+          <a:fontRef idx="minor">
+            <a:schemeClr val="lt1"/>
+          </a:fontRef>
+        </p:style>
+        <p:txBody>
+          <a:bodyPr rtlCol="0" anchor="ctr"/>
+          <a:lstStyle/>
+          <a:p>
+            <a:pPr algn="ctr"/>
+            <a:endParaRPr kumimoji="1" lang="ja-JP" altLang="en-US"/>
+          </a:p>
+        </p:txBody>
+      </p:sp>
+      <p:pic>
+        <p:nvPicPr>
+          <p:cNvPr id="33" name="図 32">
+            <a:extLst>
+              <a:ext uri="{FF2B5EF4-FFF2-40B4-BE49-F238E27FC236}">
+                <a16:creationId xmlns:a16="http://schemas.microsoft.com/office/drawing/2014/main" id="{58C699E7-518B-F24A-8D69-3967DA7F9ED3}"/>
+              </a:ext>
+            </a:extLst>
+          </p:cNvPr>
+          <p:cNvPicPr>
+            <a:picLocks noChangeAspect="1"/>
+          </p:cNvPicPr>
+          <p:nvPr/>
+        </p:nvPicPr>
+        <p:blipFill>
+          <a:blip r:embed="rId2" cstate="print">
+            <a:extLst>
+              <a:ext uri="{28A0092B-C50C-407E-A947-70E740481C1C}">
+                <a14:useLocalDpi xmlns:a14="http://schemas.microsoft.com/office/drawing/2010/main" val="0"/>
+              </a:ext>
+            </a:extLst>
+          </a:blip>
+          <a:stretch>
+            <a:fillRect/>
+          </a:stretch>
+        </p:blipFill>
+        <p:spPr>
+          <a:xfrm>
+            <a:off x="4752855" y="4026021"/>
+            <a:ext cx="765601" cy="765601"/>
+          </a:xfrm>
+          <a:prstGeom prst="rect">
+            <a:avLst/>
+          </a:prstGeom>
+        </p:spPr>
+      </p:pic>
+      <p:sp>
+        <p:nvSpPr>
+          <p:cNvPr id="34" name="下矢印 33">
+            <a:extLst>
+              <a:ext uri="{FF2B5EF4-FFF2-40B4-BE49-F238E27FC236}">
+                <a16:creationId xmlns:a16="http://schemas.microsoft.com/office/drawing/2014/main" id="{65782161-A570-1E47-827E-B881F805F027}"/>
+              </a:ext>
+            </a:extLst>
+          </p:cNvPr>
+          <p:cNvSpPr/>
+          <p:nvPr/>
+        </p:nvSpPr>
+        <p:spPr>
+          <a:xfrm rot="10800000">
+            <a:off x="5007499" y="3591971"/>
+            <a:ext cx="315527" cy="648000"/>
+          </a:xfrm>
+          <a:prstGeom prst="downArrow">
+            <a:avLst/>
+          </a:prstGeom>
+          <a:ln>
+            <a:noFill/>
+          </a:ln>
+        </p:spPr>
+        <p:style>
+          <a:lnRef idx="2">
+            <a:schemeClr val="accent1">
+              <a:shade val="50000"/>
+            </a:schemeClr>
+          </a:lnRef>
+          <a:fillRef idx="1">
+            <a:schemeClr val="accent1"/>
+          </a:fillRef>
+          <a:effectRef idx="0">
+            <a:schemeClr val="accent1"/>
+          </a:effectRef>
+          <a:fontRef idx="minor">
+            <a:schemeClr val="lt1"/>
+          </a:fontRef>
+        </p:style>
+        <p:txBody>
+          <a:bodyPr rtlCol="0" anchor="ctr"/>
+          <a:lstStyle/>
+          <a:p>
+            <a:pPr algn="ctr"/>
+            <a:endParaRPr kumimoji="1" lang="ja-JP" altLang="en-US"/>
+          </a:p>
+        </p:txBody>
+      </p:sp>
+      <p:sp>
+        <p:nvSpPr>
+          <p:cNvPr id="35" name="角丸四角形 34">
+            <a:extLst>
+              <a:ext uri="{FF2B5EF4-FFF2-40B4-BE49-F238E27FC236}">
+                <a16:creationId xmlns:a16="http://schemas.microsoft.com/office/drawing/2014/main" id="{F11F4887-E1FE-7943-BD9F-3867C9AFD73D}"/>
+              </a:ext>
+            </a:extLst>
+          </p:cNvPr>
+          <p:cNvSpPr/>
+          <p:nvPr/>
+        </p:nvSpPr>
+        <p:spPr>
+          <a:xfrm>
+            <a:off x="810997" y="4332811"/>
+            <a:ext cx="1334482" cy="545123"/>
+          </a:xfrm>
+          <a:prstGeom prst="roundRect">
+            <a:avLst/>
+          </a:prstGeom>
+          <a:solidFill>
+            <a:schemeClr val="bg1"/>
+          </a:solidFill>
+          <a:ln w="25400">
+            <a:solidFill>
+              <a:schemeClr val="accent1"/>
+            </a:solidFill>
+          </a:ln>
+        </p:spPr>
+        <p:style>
+          <a:lnRef idx="2">
+            <a:schemeClr val="accent1">
+              <a:shade val="50000"/>
+            </a:schemeClr>
+          </a:lnRef>
+          <a:fillRef idx="1">
+            <a:schemeClr val="accent1"/>
+          </a:fillRef>
+          <a:effectRef idx="0">
+            <a:schemeClr val="accent1"/>
+          </a:effectRef>
+          <a:fontRef idx="minor">
+            <a:schemeClr val="lt1"/>
+          </a:fontRef>
+        </p:style>
+        <p:txBody>
+          <a:bodyPr rtlCol="0" anchor="ctr"/>
+          <a:lstStyle/>
+          <a:p>
+            <a:pPr algn="ctr"/>
+            <a:r>
+              <a:rPr lang="en-US" altLang="ja-JP" dirty="0">
+                <a:solidFill>
+                  <a:srgbClr val="323232"/>
+                </a:solidFill>
+              </a:rPr>
+              <a:t>Customer</a:t>
+            </a:r>
+            <a:endParaRPr lang="ja-JP" altLang="en-US" dirty="0">
+              <a:solidFill>
+                <a:srgbClr val="323232"/>
+              </a:solidFill>
+            </a:endParaRPr>
+          </a:p>
+        </p:txBody>
+      </p:sp>
+      <p:cxnSp>
+        <p:nvCxnSpPr>
+          <p:cNvPr id="36" name="カギ線コネクタ 35">
+            <a:extLst>
+              <a:ext uri="{FF2B5EF4-FFF2-40B4-BE49-F238E27FC236}">
+                <a16:creationId xmlns:a16="http://schemas.microsoft.com/office/drawing/2014/main" id="{BE4695E0-6ACE-534B-B456-962FCF2FCDA4}"/>
+              </a:ext>
+            </a:extLst>
+          </p:cNvPr>
+          <p:cNvCxnSpPr>
+            <a:cxnSpLocks/>
+            <a:stCxn id="37" idx="3"/>
+            <a:endCxn id="10" idx="2"/>
+          </p:cNvCxnSpPr>
+          <p:nvPr/>
+        </p:nvCxnSpPr>
+        <p:spPr>
+          <a:xfrm flipV="1">
+            <a:off x="2396459" y="4791622"/>
+            <a:ext cx="1544276" cy="286726"/>
+          </a:xfrm>
+          <a:prstGeom prst="bentConnector2">
+            <a:avLst/>
+          </a:prstGeom>
+          <a:ln w="31750">
+            <a:solidFill>
+              <a:schemeClr val="accent1"/>
+            </a:solidFill>
+            <a:tailEnd type="triangle"/>
+          </a:ln>
+        </p:spPr>
+        <p:style>
+          <a:lnRef idx="1">
+            <a:schemeClr val="accent1"/>
+          </a:lnRef>
+          <a:fillRef idx="0">
+            <a:schemeClr val="accent1"/>
+          </a:fillRef>
+          <a:effectRef idx="0">
+            <a:schemeClr val="accent1"/>
+          </a:effectRef>
+          <a:fontRef idx="minor">
+            <a:schemeClr val="tx1"/>
+          </a:fontRef>
+        </p:style>
+      </p:cxnSp>
+      <p:sp>
+        <p:nvSpPr>
+          <p:cNvPr id="37" name="正方形/長方形 36">
+            <a:extLst>
+              <a:ext uri="{FF2B5EF4-FFF2-40B4-BE49-F238E27FC236}">
+                <a16:creationId xmlns:a16="http://schemas.microsoft.com/office/drawing/2014/main" id="{561840BC-40B9-8140-803A-CC1A4048AFF8}"/>
+              </a:ext>
+            </a:extLst>
+          </p:cNvPr>
+          <p:cNvSpPr/>
+          <p:nvPr/>
+        </p:nvSpPr>
+        <p:spPr>
+          <a:xfrm>
+            <a:off x="1365535" y="4825910"/>
+            <a:ext cx="1030924" cy="504876"/>
+          </a:xfrm>
+          <a:prstGeom prst="rect">
+            <a:avLst/>
+          </a:prstGeom>
+          <a:solidFill>
+            <a:schemeClr val="bg1"/>
+          </a:solidFill>
+          <a:ln w="25400">
+            <a:solidFill>
+              <a:schemeClr val="accent1"/>
+            </a:solidFill>
+          </a:ln>
+        </p:spPr>
+        <p:style>
+          <a:lnRef idx="2">
+            <a:schemeClr val="accent1">
+              <a:shade val="50000"/>
+            </a:schemeClr>
+          </a:lnRef>
+          <a:fillRef idx="1">
+            <a:schemeClr val="accent1"/>
+          </a:fillRef>
+          <a:effectRef idx="0">
+            <a:schemeClr val="accent1"/>
+          </a:effectRef>
+          <a:fontRef idx="minor">
+            <a:schemeClr val="lt1"/>
+          </a:fontRef>
+        </p:style>
+        <p:txBody>
+          <a:bodyPr rtlCol="0" anchor="ctr"/>
+          <a:lstStyle/>
+          <a:p>
+            <a:pPr algn="ctr"/>
+            <a:r>
+              <a:rPr lang="en-US" altLang="ja-JP" dirty="0">
+                <a:solidFill>
+                  <a:srgbClr val="323232"/>
+                </a:solidFill>
+              </a:rPr>
+              <a:t>Product</a:t>
+            </a:r>
+            <a:endParaRPr lang="ja-JP" altLang="en-US" dirty="0">
+              <a:solidFill>
+                <a:srgbClr val="323232"/>
+              </a:solidFill>
+            </a:endParaRPr>
+          </a:p>
+        </p:txBody>
+      </p:sp>
+      <p:sp>
+        <p:nvSpPr>
+          <p:cNvPr id="41" name="テキスト ボックス 40">
+            <a:extLst>
+              <a:ext uri="{FF2B5EF4-FFF2-40B4-BE49-F238E27FC236}">
+                <a16:creationId xmlns:a16="http://schemas.microsoft.com/office/drawing/2014/main" id="{599D36C3-BAE1-1647-B1E9-B37CF125A2C6}"/>
+              </a:ext>
+            </a:extLst>
+          </p:cNvPr>
+          <p:cNvSpPr txBox="1"/>
+          <p:nvPr/>
+        </p:nvSpPr>
+        <p:spPr>
+          <a:xfrm>
+            <a:off x="3586825" y="3015753"/>
+            <a:ext cx="3422991" cy="615553"/>
+          </a:xfrm>
+          <a:prstGeom prst="rect">
+            <a:avLst/>
+          </a:prstGeom>
+          <a:noFill/>
+          <a:ln>
+            <a:solidFill>
+              <a:schemeClr val="tx1"/>
+            </a:solidFill>
+          </a:ln>
+        </p:spPr>
+        <p:txBody>
+          <a:bodyPr wrap="square" rtlCol="0">
+            <a:spAutoFit/>
+          </a:bodyPr>
+          <a:lstStyle/>
+          <a:p>
+            <a:pPr algn="ctr"/>
+            <a:r>
+              <a:rPr lang="en" altLang="ja-JP" dirty="0"/>
+              <a:t>Auctioneer</a:t>
+            </a:r>
+          </a:p>
+          <a:p>
+            <a:pPr algn="ctr"/>
+            <a:r>
+              <a:rPr kumimoji="1" lang="en" altLang="ja-JP" sz="1600" dirty="0"/>
+              <a:t>(Decide resource allocation)</a:t>
+            </a:r>
+            <a:endParaRPr kumimoji="1" lang="ja-JP" altLang="en-US" sz="1600" dirty="0"/>
+          </a:p>
+        </p:txBody>
+      </p:sp>
+      <p:sp>
+        <p:nvSpPr>
+          <p:cNvPr id="39" name="テキスト ボックス 38">
+            <a:extLst>
+              <a:ext uri="{FF2B5EF4-FFF2-40B4-BE49-F238E27FC236}">
+                <a16:creationId xmlns:a16="http://schemas.microsoft.com/office/drawing/2014/main" id="{06EFEE41-40AB-2B4B-B543-034BC7C3064A}"/>
+              </a:ext>
+            </a:extLst>
+          </p:cNvPr>
+          <p:cNvSpPr txBox="1"/>
+          <p:nvPr/>
+        </p:nvSpPr>
+        <p:spPr>
+          <a:xfrm>
+            <a:off x="4093188" y="2430869"/>
+            <a:ext cx="2130962" cy="279796"/>
+          </a:xfrm>
+          <a:prstGeom prst="rect">
+            <a:avLst/>
+          </a:prstGeom>
+          <a:ln/>
+        </p:spPr>
+        <p:style>
+          <a:lnRef idx="2">
+            <a:schemeClr val="dk1"/>
+          </a:lnRef>
+          <a:fillRef idx="1">
+            <a:schemeClr val="lt1"/>
+          </a:fillRef>
+          <a:effectRef idx="0">
+            <a:schemeClr val="dk1"/>
+          </a:effectRef>
+          <a:fontRef idx="minor">
+            <a:schemeClr val="dk1"/>
+          </a:fontRef>
+        </p:style>
+        <p:txBody>
+          <a:bodyPr wrap="square" rtlCol="0">
+            <a:spAutoFit/>
+          </a:bodyPr>
+          <a:lstStyle/>
+          <a:p>
+            <a:pPr algn="ctr"/>
+            <a:r>
+              <a:rPr lang="en" altLang="ja-JP" sz="1600" dirty="0"/>
+              <a:t>Resource provide</a:t>
+            </a:r>
+            <a:endParaRPr kumimoji="1" lang="ja-JP" altLang="en-US" sz="1600" dirty="0"/>
+          </a:p>
+        </p:txBody>
+      </p:sp>
+      <p:sp>
+        <p:nvSpPr>
+          <p:cNvPr id="44" name="テキスト ボックス 43">
+            <a:extLst>
+              <a:ext uri="{FF2B5EF4-FFF2-40B4-BE49-F238E27FC236}">
+                <a16:creationId xmlns:a16="http://schemas.microsoft.com/office/drawing/2014/main" id="{4A1E7854-B7F1-E246-B278-1CF2B9B90D1F}"/>
+              </a:ext>
+            </a:extLst>
+          </p:cNvPr>
+          <p:cNvSpPr txBox="1"/>
+          <p:nvPr/>
+        </p:nvSpPr>
+        <p:spPr>
+          <a:xfrm>
+            <a:off x="4093188" y="3788127"/>
+            <a:ext cx="2130962" cy="338554"/>
+          </a:xfrm>
+          <a:prstGeom prst="rect">
+            <a:avLst/>
+          </a:prstGeom>
+          <a:ln/>
+        </p:spPr>
+        <p:style>
+          <a:lnRef idx="2">
+            <a:schemeClr val="dk1"/>
+          </a:lnRef>
+          <a:fillRef idx="1">
+            <a:schemeClr val="lt1"/>
+          </a:fillRef>
+          <a:effectRef idx="0">
+            <a:schemeClr val="dk1"/>
+          </a:effectRef>
+          <a:fontRef idx="minor">
+            <a:schemeClr val="dk1"/>
+          </a:fontRef>
+        </p:style>
+        <p:txBody>
+          <a:bodyPr wrap="square" rtlCol="0">
+            <a:spAutoFit/>
+          </a:bodyPr>
+          <a:lstStyle/>
+          <a:p>
+            <a:pPr algn="ctr"/>
+            <a:r>
+              <a:rPr lang="en" altLang="ja-JP" sz="1600" dirty="0"/>
+              <a:t>Resource request</a:t>
+            </a:r>
+            <a:endParaRPr kumimoji="1" lang="ja-JP" altLang="en-US" sz="1600" dirty="0"/>
+          </a:p>
+        </p:txBody>
+      </p:sp>
+      <p:sp>
+        <p:nvSpPr>
+          <p:cNvPr id="46" name="角丸四角形 45">
+            <a:extLst>
+              <a:ext uri="{FF2B5EF4-FFF2-40B4-BE49-F238E27FC236}">
+                <a16:creationId xmlns:a16="http://schemas.microsoft.com/office/drawing/2014/main" id="{C9C350BC-B3B8-0845-8C19-8F6F8BE55792}"/>
+              </a:ext>
+            </a:extLst>
+          </p:cNvPr>
+          <p:cNvSpPr/>
+          <p:nvPr/>
+        </p:nvSpPr>
+        <p:spPr>
+          <a:xfrm>
+            <a:off x="2215927" y="1652157"/>
+            <a:ext cx="5984644" cy="3225777"/>
+          </a:xfrm>
+          <a:prstGeom prst="roundRect">
+            <a:avLst/>
+          </a:prstGeom>
+          <a:noFill/>
+          <a:ln w="9525" cap="flat" cmpd="sng" algn="ctr">
+            <a:solidFill>
+              <a:schemeClr val="dk1"/>
+            </a:solidFill>
+            <a:prstDash val="solid"/>
+            <a:round/>
+            <a:headEnd type="none" w="med" len="med"/>
+            <a:tailEnd type="none" w="med" len="med"/>
+          </a:ln>
+        </p:spPr>
+        <p:style>
+          <a:lnRef idx="0">
+            <a:scrgbClr r="0" g="0" b="0"/>
+          </a:lnRef>
+          <a:fillRef idx="0">
+            <a:scrgbClr r="0" g="0" b="0"/>
+          </a:fillRef>
+          <a:effectRef idx="0">
+            <a:scrgbClr r="0" g="0" b="0"/>
+          </a:effectRef>
+          <a:fontRef idx="minor">
+            <a:schemeClr val="dk1"/>
+          </a:fontRef>
+        </p:style>
+        <p:txBody>
+          <a:bodyPr rtlCol="0" anchor="ctr"/>
+          <a:lstStyle/>
+          <a:p>
+            <a:pPr algn="ctr"/>
+            <a:endParaRPr kumimoji="1" lang="ja-JP" altLang="en-US"/>
+          </a:p>
+        </p:txBody>
+      </p:sp>
+      <p:sp>
+        <p:nvSpPr>
+          <p:cNvPr id="49" name="テキスト ボックス 48">
+            <a:extLst>
+              <a:ext uri="{FF2B5EF4-FFF2-40B4-BE49-F238E27FC236}">
+                <a16:creationId xmlns:a16="http://schemas.microsoft.com/office/drawing/2014/main" id="{70138DCC-4075-DD4F-961C-5FF6C3736BFD}"/>
+              </a:ext>
+            </a:extLst>
+          </p:cNvPr>
+          <p:cNvSpPr txBox="1"/>
+          <p:nvPr/>
+        </p:nvSpPr>
+        <p:spPr>
+          <a:xfrm>
+            <a:off x="3120571" y="1335314"/>
+            <a:ext cx="4202882" cy="369332"/>
+          </a:xfrm>
+          <a:prstGeom prst="rect">
+            <a:avLst/>
+          </a:prstGeom>
+          <a:noFill/>
+        </p:spPr>
+        <p:txBody>
+          <a:bodyPr wrap="none" rtlCol="0">
+            <a:spAutoFit/>
+          </a:bodyPr>
+          <a:lstStyle/>
+          <a:p>
+            <a:r>
+              <a:rPr kumimoji="1" lang="en-US" altLang="ja-JP" dirty="0"/>
+              <a:t>Crow</a:t>
+            </a:r>
+            <a:r>
+              <a:rPr lang="en-US" altLang="ja-JP" dirty="0"/>
+              <a:t>dsourced Manufacturing System</a:t>
+            </a:r>
+            <a:endParaRPr kumimoji="1" lang="ja-JP" altLang="en-US"/>
+          </a:p>
+        </p:txBody>
+      </p:sp>
     </p:spTree>
     <p:extLst>
       <p:ext uri="{BB962C8B-B14F-4D97-AF65-F5344CB8AC3E}">
@@ -5673,44 +6537,6 @@
     <a:masterClrMapping/>
   </p:clrMapOvr>
 </p:sld>
-</file>
-
-<file path=ppt/tags/tag1.xml><?xml version="1.0" encoding="utf-8"?>
-<p:tagLst xmlns:a="http://schemas.openxmlformats.org/drawingml/2006/main" xmlns:r="http://schemas.openxmlformats.org/officeDocument/2006/relationships" xmlns:p="http://schemas.openxmlformats.org/presentationml/2006/main">
-  <p:tag name="OUTPUTDPI" val="1200"/>
-  <p:tag name="ORIGINALHEIGHT" val="128"/>
-  <p:tag name="ORIGINALWIDTH" val="2295"/>
-  <p:tag name="LATEXADDIN" val="\documentclass{jsarticle}&#10;\usepackage{amsmath}&#10;\usepackage[deluxe]{otf}&#10;\usepackage[sourcehan]{pxchfon}&#10;\pagestyle{empty}&#10;\begin{document}&#10;\begin{align*}&#10; [(c_{1,1}, TP_{1,1},TP_{1,2}),(c_{1,2}, TP_{1,1},TP_{1,2}) \cdots] &#10;\end{align*}&#10;&#10;\end{document}"/>
-  <p:tag name="IGUANATEXSIZE" val="16"/>
-  <p:tag name="IGUANATEXCURSOR" val="236"/>
-  <p:tag name="TRANSPARENCY" val="True"/>
-  <p:tag name="FILENAME" val=""/>
-  <p:tag name="LATEXENGINEID" val="4"/>
-  <p:tag name="TEMPFOLDER" val="/private/var/folders/b2/g53y3lmn12947w6lrktnbk2r0000gn/T/com.microsoft.Powerpoint/TemporaryItems/"/>
-  <p:tag name="LATEXFORMHEIGHT" val="312"/>
-  <p:tag name="LATEXFORMWIDTH" val="384"/>
-  <p:tag name="LATEXFORMWRAP" val="True"/>
-  <p:tag name="BITMAPVECTOR" val="0"/>
-</p:tagLst>
-</file>
-
-<file path=ppt/tags/tag2.xml><?xml version="1.0" encoding="utf-8"?>
-<p:tagLst xmlns:a="http://schemas.openxmlformats.org/drawingml/2006/main" xmlns:r="http://schemas.openxmlformats.org/officeDocument/2006/relationships" xmlns:p="http://schemas.openxmlformats.org/presentationml/2006/main">
-  <p:tag name="OUTPUTDPI" val="1200"/>
-  <p:tag name="ORIGINALHEIGHT" val="124"/>
-  <p:tag name="ORIGINALWIDTH" val="1653"/>
-  <p:tag name="LATEXADDIN" val="\documentclass{jsarticle}&#10;\usepackage{amsmath}&#10;\usepackage[deluxe]{otf}&#10;\usepackage[sourcehan]{pxchfon}&#10;\pagestyle{empty}&#10;\begin{document}&#10;\begin{align*}&#10; =[(0.1, 150, 0),(0.2,0,100) \cdots] &#10;\end{align*}&#10;\end{document}"/>
-  <p:tag name="IGUANATEXSIZE" val="16"/>
-  <p:tag name="IGUANATEXCURSOR" val="166"/>
-  <p:tag name="TRANSPARENCY" val="True"/>
-  <p:tag name="FILENAME" val=""/>
-  <p:tag name="LATEXENGINEID" val="4"/>
-  <p:tag name="TEMPFOLDER" val="/private/var/folders/b2/g53y3lmn12947w6lrktnbk2r0000gn/T/com.microsoft.Powerpoint/TemporaryItems/"/>
-  <p:tag name="LATEXFORMHEIGHT" val="312"/>
-  <p:tag name="LATEXFORMWIDTH" val="384"/>
-  <p:tag name="LATEXFORMWRAP" val="True"/>
-  <p:tag name="BITMAPVECTOR" val="0"/>
-</p:tagLst>
 </file>
 
 <file path=ppt/theme/theme1.xml><?xml version="1.0" encoding="utf-8"?>
